--- a/finalproject/UI.pptx
+++ b/finalproject/UI.pptx
@@ -105,6 +105,11 @@
       </a:defRPr>
     </a:lvl9pPr>
   </p:defaultTextStyle>
+  <p:extLst>
+    <p:ext uri="{EFAFB233-063F-42B5-8137-9DF3F51BA10A}">
+      <p15:sldGuideLst xmlns:p15="http://schemas.microsoft.com/office/powerpoint/2012/main"/>
+    </p:ext>
+  </p:extLst>
 </p:presentation>
 </file>
 
@@ -3082,8 +3087,8 @@
         </p:nvSpPr>
         <p:spPr>
           <a:xfrm>
-            <a:off x="4940547" y="735912"/>
-            <a:ext cx="5074310" cy="1165455"/>
+            <a:off x="4896009" y="590769"/>
+            <a:ext cx="4915648" cy="817117"/>
           </a:xfrm>
           <a:prstGeom prst="roundRect">
             <a:avLst/>
@@ -3139,8 +3144,8 @@
         </p:nvSpPr>
         <p:spPr>
           <a:xfrm>
-            <a:off x="4940547" y="2140247"/>
-            <a:ext cx="3262128" cy="457804"/>
+            <a:off x="7914630" y="1563680"/>
+            <a:ext cx="3161842" cy="457804"/>
           </a:xfrm>
           <a:prstGeom prst="roundRect">
             <a:avLst/>
@@ -3173,7 +3178,7 @@
           <a:p>
             <a:pPr algn="ctr"/>
             <a:r>
-              <a:rPr lang="ko-KR" altLang="en-US" sz="2200" b="1" dirty="0" smtClean="0">
+              <a:rPr lang="ko-KR" altLang="en-US" sz="2100" b="1" dirty="0" smtClean="0">
                 <a:solidFill>
                   <a:sysClr val="windowText" lastClr="000000"/>
                 </a:solidFill>
@@ -3181,38 +3186,22 @@
               <a:t>시</a:t>
             </a:r>
             <a:r>
-              <a:rPr lang="en-US" altLang="ko-KR" sz="2200" b="1" dirty="0" smtClean="0">
+              <a:rPr lang="en-US" altLang="ko-KR" sz="2100" b="1" dirty="0" smtClean="0">
                 <a:solidFill>
                   <a:sysClr val="windowText" lastClr="000000"/>
                 </a:solidFill>
               </a:rPr>
-              <a:t>(</a:t>
-            </a:r>
-            <a:r>
-              <a:rPr lang="ko-KR" altLang="en-US" sz="2200" b="1" dirty="0" smtClean="0">
-                <a:solidFill>
-                  <a:sysClr val="windowText" lastClr="000000"/>
-                </a:solidFill>
-              </a:rPr>
-              <a:t>도</a:t>
-            </a:r>
-            <a:r>
-              <a:rPr lang="en-US" altLang="ko-KR" sz="2200" b="1" dirty="0" smtClean="0">
-                <a:solidFill>
-                  <a:sysClr val="windowText" lastClr="000000"/>
-                </a:solidFill>
-              </a:rPr>
-              <a:t>) </a:t>
-            </a:r>
-            <a:r>
-              <a:rPr lang="ko-KR" altLang="en-US" sz="2200" b="1" dirty="0" smtClean="0">
+              <a:t> </a:t>
+            </a:r>
+            <a:r>
+              <a:rPr lang="ko-KR" altLang="en-US" sz="2100" b="1" dirty="0" smtClean="0">
                 <a:solidFill>
                   <a:sysClr val="windowText" lastClr="000000"/>
                 </a:solidFill>
               </a:rPr>
               <a:t>선택</a:t>
             </a:r>
-            <a:endParaRPr lang="ko-KR" altLang="en-US" sz="2200" b="1" dirty="0">
+            <a:endParaRPr lang="ko-KR" altLang="en-US" sz="2100" b="1" dirty="0">
               <a:solidFill>
                 <a:sysClr val="windowText" lastClr="000000"/>
               </a:solidFill>
@@ -3228,8 +3217,8 @@
         </p:nvSpPr>
         <p:spPr>
           <a:xfrm>
-            <a:off x="4875602" y="2738053"/>
-            <a:ext cx="1098617" cy="907698"/>
+            <a:off x="4907344" y="2140248"/>
+            <a:ext cx="1653113" cy="608307"/>
           </a:xfrm>
           <a:prstGeom prst="roundRect">
             <a:avLst/>
@@ -3262,30 +3251,30 @@
           <a:p>
             <a:pPr algn="ctr"/>
             <a:r>
-              <a:rPr lang="ko-KR" altLang="en-US" sz="2200" b="1" dirty="0" smtClean="0">
+              <a:rPr lang="ko-KR" altLang="en-US" b="1" dirty="0" smtClean="0">
                 <a:solidFill>
                   <a:sysClr val="windowText" lastClr="000000"/>
                 </a:solidFill>
               </a:rPr>
               <a:t>발생</a:t>
             </a:r>
-            <a:endParaRPr lang="en-US" altLang="ko-KR" sz="2200" b="1" dirty="0" smtClean="0">
-              <a:solidFill>
-                <a:sysClr val="windowText" lastClr="000000"/>
-              </a:solidFill>
-            </a:endParaRPr>
-          </a:p>
-          <a:p>
-            <a:pPr algn="ctr"/>
-            <a:r>
-              <a:rPr lang="ko-KR" altLang="en-US" sz="2200" b="1" dirty="0" smtClean="0">
+            <a:r>
+              <a:rPr lang="en-US" altLang="ko-KR" b="1" dirty="0">
+                <a:solidFill>
+                  <a:sysClr val="windowText" lastClr="000000"/>
+                </a:solidFill>
+              </a:rPr>
+              <a:t> </a:t>
+            </a:r>
+            <a:r>
+              <a:rPr lang="ko-KR" altLang="en-US" b="1" dirty="0" smtClean="0">
                 <a:solidFill>
                   <a:sysClr val="windowText" lastClr="000000"/>
                 </a:solidFill>
               </a:rPr>
               <a:t>현황</a:t>
             </a:r>
-            <a:endParaRPr lang="ko-KR" altLang="en-US" sz="2200" b="1" dirty="0">
+            <a:endParaRPr lang="ko-KR" altLang="en-US" b="1" dirty="0">
               <a:solidFill>
                 <a:sysClr val="windowText" lastClr="000000"/>
               </a:solidFill>
@@ -3301,8 +3290,8 @@
         </p:nvSpPr>
         <p:spPr>
           <a:xfrm>
-            <a:off x="4875602" y="3806755"/>
-            <a:ext cx="2947598" cy="2739187"/>
+            <a:off x="4907343" y="2851919"/>
+            <a:ext cx="2915709" cy="2739187"/>
           </a:xfrm>
           <a:prstGeom prst="roundRect">
             <a:avLst/>
@@ -3358,8 +3347,8 @@
         </p:nvSpPr>
         <p:spPr>
           <a:xfrm>
-            <a:off x="8304478" y="2140248"/>
-            <a:ext cx="2708339" cy="457804"/>
+            <a:off x="4939194" y="1558076"/>
+            <a:ext cx="2883858" cy="457804"/>
           </a:xfrm>
           <a:prstGeom prst="roundRect">
             <a:avLst/>
@@ -3392,14 +3381,14 @@
           <a:p>
             <a:pPr algn="ctr"/>
             <a:r>
-              <a:rPr lang="ko-KR" altLang="en-US" sz="2500" b="1" dirty="0" smtClean="0">
+              <a:rPr lang="ko-KR" altLang="en-US" sz="2200" b="1" dirty="0" smtClean="0">
                 <a:solidFill>
                   <a:sysClr val="windowText" lastClr="000000"/>
                 </a:solidFill>
               </a:rPr>
-              <a:t>검색</a:t>
-            </a:r>
-            <a:endParaRPr lang="ko-KR" altLang="en-US" sz="2500" b="1" dirty="0">
+              <a:t>도 선택</a:t>
+            </a:r>
+            <a:endParaRPr lang="ko-KR" altLang="en-US" sz="2200" b="1" dirty="0">
               <a:solidFill>
                 <a:sysClr val="windowText" lastClr="000000"/>
               </a:solidFill>
@@ -3415,8 +3404,8 @@
         </p:nvSpPr>
         <p:spPr>
           <a:xfrm>
-            <a:off x="10162434" y="735912"/>
-            <a:ext cx="997960" cy="1165455"/>
+            <a:off x="9970319" y="672803"/>
+            <a:ext cx="1106153" cy="735084"/>
           </a:xfrm>
           <a:prstGeom prst="roundRect">
             <a:avLst/>
@@ -3449,7 +3438,7 @@
           <a:p>
             <a:pPr algn="ctr"/>
             <a:r>
-              <a:rPr lang="en-US" altLang="ko-KR" sz="1500" b="1" dirty="0" smtClean="0">
+              <a:rPr lang="en-US" altLang="ko-KR" sz="1200" b="1" dirty="0" smtClean="0">
                 <a:solidFill>
                   <a:sysClr val="windowText" lastClr="000000"/>
                 </a:solidFill>
@@ -3460,14 +3449,14 @@
           <a:p>
             <a:pPr algn="ctr"/>
             <a:r>
-              <a:rPr lang="ko-KR" altLang="en-US" sz="1500" b="1" dirty="0" smtClean="0">
+              <a:rPr lang="ko-KR" altLang="en-US" sz="1200" b="1" dirty="0" smtClean="0">
                 <a:solidFill>
                   <a:sysClr val="windowText" lastClr="000000"/>
                 </a:solidFill>
               </a:rPr>
               <a:t>사이트 </a:t>
             </a:r>
-            <a:endParaRPr lang="en-US" altLang="ko-KR" sz="1500" b="1" dirty="0" smtClean="0">
+            <a:endParaRPr lang="en-US" altLang="ko-KR" sz="1200" b="1" dirty="0" smtClean="0">
               <a:solidFill>
                 <a:sysClr val="windowText" lastClr="000000"/>
               </a:solidFill>
@@ -3476,7 +3465,7 @@
           <a:p>
             <a:pPr algn="ctr"/>
             <a:r>
-              <a:rPr lang="ko-KR" altLang="en-US" sz="1500" b="1" dirty="0" err="1" smtClean="0">
+              <a:rPr lang="ko-KR" altLang="en-US" sz="1200" b="1" dirty="0" err="1" smtClean="0">
                 <a:solidFill>
                   <a:sysClr val="windowText" lastClr="000000"/>
                 </a:solidFill>
@@ -3484,14 +3473,14 @@
               <a:t>리다이렉션</a:t>
             </a:r>
             <a:r>
-              <a:rPr lang="ko-KR" altLang="en-US" sz="1500" b="1" dirty="0" smtClean="0">
+              <a:rPr lang="ko-KR" altLang="en-US" sz="1200" b="1" dirty="0" smtClean="0">
                 <a:solidFill>
                   <a:sysClr val="windowText" lastClr="000000"/>
                 </a:solidFill>
               </a:rPr>
               <a:t> </a:t>
             </a:r>
-            <a:endParaRPr lang="ko-KR" altLang="en-US" sz="1500" b="1" dirty="0">
+            <a:endParaRPr lang="ko-KR" altLang="en-US" sz="1200" b="1" dirty="0">
               <a:solidFill>
                 <a:sysClr val="windowText" lastClr="000000"/>
               </a:solidFill>
@@ -3501,86 +3490,13 @@
       </p:sp>
       <p:sp>
         <p:nvSpPr>
-          <p:cNvPr id="15" name="모서리가 둥근 직사각형 14"/>
-          <p:cNvSpPr/>
-          <p:nvPr/>
-        </p:nvSpPr>
-        <p:spPr>
-          <a:xfrm>
-            <a:off x="6094435" y="2738053"/>
-            <a:ext cx="1135475" cy="907698"/>
-          </a:xfrm>
-          <a:prstGeom prst="roundRect">
-            <a:avLst/>
-          </a:prstGeom>
-          <a:solidFill>
-            <a:schemeClr val="bg1">
-              <a:lumMod val="95000"/>
-            </a:schemeClr>
-          </a:solidFill>
-        </p:spPr>
-        <p:style>
-          <a:lnRef idx="2">
-            <a:schemeClr val="accent1">
-              <a:shade val="50000"/>
-            </a:schemeClr>
-          </a:lnRef>
-          <a:fillRef idx="1">
-            <a:schemeClr val="accent1"/>
-          </a:fillRef>
-          <a:effectRef idx="0">
-            <a:schemeClr val="accent1"/>
-          </a:effectRef>
-          <a:fontRef idx="minor">
-            <a:schemeClr val="lt1"/>
-          </a:fontRef>
-        </p:style>
-        <p:txBody>
-          <a:bodyPr rtlCol="0" anchor="ctr"/>
-          <a:lstStyle/>
-          <a:p>
-            <a:pPr algn="ctr"/>
-            <a:r>
-              <a:rPr lang="ko-KR" altLang="en-US" sz="2200" b="1" dirty="0" smtClean="0">
-                <a:solidFill>
-                  <a:sysClr val="windowText" lastClr="000000"/>
-                </a:solidFill>
-              </a:rPr>
-              <a:t>병원 </a:t>
-            </a:r>
-            <a:endParaRPr lang="en-US" altLang="ko-KR" sz="2200" b="1" dirty="0" smtClean="0">
-              <a:solidFill>
-                <a:sysClr val="windowText" lastClr="000000"/>
-              </a:solidFill>
-            </a:endParaRPr>
-          </a:p>
-          <a:p>
-            <a:pPr algn="ctr"/>
-            <a:r>
-              <a:rPr lang="ko-KR" altLang="en-US" sz="2200" b="1" dirty="0" smtClean="0">
-                <a:solidFill>
-                  <a:sysClr val="windowText" lastClr="000000"/>
-                </a:solidFill>
-              </a:rPr>
-              <a:t>정보</a:t>
-            </a:r>
-            <a:endParaRPr lang="ko-KR" altLang="en-US" sz="2200" b="1" dirty="0">
-              <a:solidFill>
-                <a:sysClr val="windowText" lastClr="000000"/>
-              </a:solidFill>
-            </a:endParaRPr>
-          </a:p>
-        </p:txBody>
-      </p:sp>
-      <p:sp>
-        <p:nvSpPr>
           <p:cNvPr id="17" name="모서리가 둥근 직사각형 16"/>
           <p:cNvSpPr/>
           <p:nvPr/>
         </p:nvSpPr>
         <p:spPr>
           <a:xfrm>
-            <a:off x="8012790" y="3806755"/>
+            <a:off x="8012496" y="2875331"/>
             <a:ext cx="3063977" cy="2739187"/>
           </a:xfrm>
           <a:prstGeom prst="roundRect">
@@ -3631,14 +3547,14 @@
       </p:sp>
       <p:sp>
         <p:nvSpPr>
-          <p:cNvPr id="18" name="모서리가 둥근 직사각형 17"/>
+          <p:cNvPr id="20" name="모서리가 둥근 직사각형 19"/>
           <p:cNvSpPr/>
           <p:nvPr/>
         </p:nvSpPr>
         <p:spPr>
           <a:xfrm>
-            <a:off x="7293668" y="2748555"/>
-            <a:ext cx="1377253" cy="907698"/>
+            <a:off x="5008944" y="5727732"/>
+            <a:ext cx="1951561" cy="907698"/>
           </a:xfrm>
           <a:prstGeom prst="roundRect">
             <a:avLst/>
@@ -3676,7 +3592,7 @@
                   <a:sysClr val="windowText" lastClr="000000"/>
                 </a:solidFill>
               </a:rPr>
-              <a:t>예방접종</a:t>
+              <a:t>코로나</a:t>
             </a:r>
             <a:endParaRPr lang="en-US" altLang="ko-KR" sz="2000" b="1" dirty="0" smtClean="0">
               <a:solidFill>
@@ -3692,7 +3608,23 @@
                   <a:sysClr val="windowText" lastClr="000000"/>
                 </a:solidFill>
               </a:rPr>
-              <a:t>센터</a:t>
+              <a:t>증상</a:t>
+            </a:r>
+            <a:r>
+              <a:rPr lang="en-US" altLang="ko-KR" sz="2000" b="1" dirty="0" smtClean="0">
+                <a:solidFill>
+                  <a:sysClr val="windowText" lastClr="000000"/>
+                </a:solidFill>
+              </a:rPr>
+              <a:t>/</a:t>
+            </a:r>
+            <a:r>
+              <a:rPr lang="ko-KR" altLang="en-US" sz="2000" b="1" dirty="0" smtClean="0">
+                <a:solidFill>
+                  <a:sysClr val="windowText" lastClr="000000"/>
+                </a:solidFill>
+              </a:rPr>
+              <a:t>대처</a:t>
             </a:r>
             <a:endParaRPr lang="ko-KR" altLang="en-US" sz="2000" b="1" dirty="0">
               <a:solidFill>
@@ -3704,14 +3636,14 @@
       </p:sp>
       <p:sp>
         <p:nvSpPr>
-          <p:cNvPr id="19" name="모서리가 둥근 직사각형 18"/>
+          <p:cNvPr id="22" name="모서리가 둥근 직사각형 21"/>
           <p:cNvSpPr/>
           <p:nvPr/>
         </p:nvSpPr>
         <p:spPr>
           <a:xfrm>
-            <a:off x="10064400" y="2738053"/>
-            <a:ext cx="1194027" cy="907698"/>
+            <a:off x="6659315" y="2129746"/>
+            <a:ext cx="1976685" cy="608307"/>
           </a:xfrm>
           <a:prstGeom prst="roundRect">
             <a:avLst/>
@@ -3744,47 +3676,31 @@
           <a:p>
             <a:pPr algn="ctr"/>
             <a:r>
-              <a:rPr lang="ko-KR" altLang="en-US" sz="2100" b="1" dirty="0" smtClean="0">
+              <a:rPr lang="ko-KR" altLang="en-US" b="1" dirty="0" smtClean="0">
                 <a:solidFill>
                   <a:sysClr val="windowText" lastClr="000000"/>
                 </a:solidFill>
               </a:rPr>
-              <a:t>코로나</a:t>
-            </a:r>
-            <a:endParaRPr lang="en-US" altLang="ko-KR" sz="2100" b="1" dirty="0" smtClean="0">
+              <a:t>병원 정보</a:t>
+            </a:r>
+            <a:endParaRPr lang="ko-KR" altLang="en-US" b="1" dirty="0">
               <a:solidFill>
                 <a:sysClr val="windowText" lastClr="000000"/>
               </a:solidFill>
             </a:endParaRPr>
           </a:p>
-          <a:p>
-            <a:pPr algn="ctr"/>
-            <a:r>
-              <a:rPr lang="ko-KR" altLang="en-US" sz="2100" b="1" dirty="0" smtClean="0">
-                <a:solidFill>
-                  <a:sysClr val="windowText" lastClr="000000"/>
-                </a:solidFill>
-              </a:rPr>
-              <a:t>대처</a:t>
-            </a:r>
-            <a:endParaRPr lang="ko-KR" altLang="en-US" sz="2100" b="1" dirty="0">
-              <a:solidFill>
-                <a:sysClr val="windowText" lastClr="000000"/>
-              </a:solidFill>
-            </a:endParaRPr>
-          </a:p>
-        </p:txBody>
-      </p:sp>
-      <p:sp>
-        <p:nvSpPr>
-          <p:cNvPr id="20" name="모서리가 둥근 직사각형 19"/>
+        </p:txBody>
+      </p:sp>
+      <p:sp>
+        <p:nvSpPr>
+          <p:cNvPr id="23" name="모서리가 둥근 직사각형 22"/>
           <p:cNvSpPr/>
           <p:nvPr/>
         </p:nvSpPr>
         <p:spPr>
           <a:xfrm>
-            <a:off x="8730689" y="2748555"/>
-            <a:ext cx="1211598" cy="907698"/>
+            <a:off x="8766657" y="2140247"/>
+            <a:ext cx="2309815" cy="608307"/>
           </a:xfrm>
           <a:prstGeom prst="roundRect">
             <a:avLst/>
@@ -3817,14 +3733,71 @@
           <a:p>
             <a:pPr algn="ctr"/>
             <a:r>
-              <a:rPr lang="ko-KR" altLang="en-US" sz="2000" b="1" dirty="0" smtClean="0">
+              <a:rPr lang="ko-KR" altLang="en-US" b="1" dirty="0" smtClean="0">
                 <a:solidFill>
                   <a:sysClr val="windowText" lastClr="000000"/>
                 </a:solidFill>
               </a:rPr>
-              <a:t>코로나 증상</a:t>
-            </a:r>
-            <a:endParaRPr lang="ko-KR" altLang="en-US" sz="2000" b="1" dirty="0">
+              <a:t>예방접종 센터</a:t>
+            </a:r>
+            <a:endParaRPr lang="ko-KR" altLang="en-US" b="1" dirty="0">
+              <a:solidFill>
+                <a:sysClr val="windowText" lastClr="000000"/>
+              </a:solidFill>
+            </a:endParaRPr>
+          </a:p>
+        </p:txBody>
+      </p:sp>
+      <p:sp>
+        <p:nvSpPr>
+          <p:cNvPr id="24" name="모서리가 둥근 직사각형 23"/>
+          <p:cNvSpPr/>
+          <p:nvPr/>
+        </p:nvSpPr>
+        <p:spPr>
+          <a:xfrm>
+            <a:off x="7141029" y="5751796"/>
+            <a:ext cx="3935444" cy="883633"/>
+          </a:xfrm>
+          <a:prstGeom prst="roundRect">
+            <a:avLst/>
+          </a:prstGeom>
+          <a:solidFill>
+            <a:schemeClr val="bg1">
+              <a:lumMod val="95000"/>
+            </a:schemeClr>
+          </a:solidFill>
+        </p:spPr>
+        <p:style>
+          <a:lnRef idx="2">
+            <a:schemeClr val="accent1">
+              <a:shade val="50000"/>
+            </a:schemeClr>
+          </a:lnRef>
+          <a:fillRef idx="1">
+            <a:schemeClr val="accent1"/>
+          </a:fillRef>
+          <a:effectRef idx="0">
+            <a:schemeClr val="accent1"/>
+          </a:effectRef>
+          <a:fontRef idx="minor">
+            <a:schemeClr val="lt1"/>
+          </a:fontRef>
+        </p:style>
+        <p:txBody>
+          <a:bodyPr rtlCol="0" anchor="ctr"/>
+          <a:lstStyle/>
+          <a:p>
+            <a:pPr algn="ctr"/>
+            <a:r>
+              <a:rPr lang="ko-KR" altLang="en-US" b="1" dirty="0" smtClean="0">
+                <a:solidFill>
+                  <a:sysClr val="windowText" lastClr="000000"/>
+                </a:solidFill>
+              </a:rPr>
+              <a:t>정보 출력</a:t>
+            </a:r>
+            <a:endParaRPr lang="ko-KR" altLang="en-US" b="1" dirty="0">
               <a:solidFill>
                 <a:sysClr val="windowText" lastClr="000000"/>
               </a:solidFill>
